--- a/ppt/Coroutines.pptx
+++ b/ppt/Coroutines.pptx
@@ -7,6 +7,12 @@
   <p:sldIdLst>
     <p:sldId id="256" r:id="rId2"/>
     <p:sldId id="257" r:id="rId3"/>
+    <p:sldId id="258" r:id="rId4"/>
+    <p:sldId id="259" r:id="rId5"/>
+    <p:sldId id="260" r:id="rId6"/>
+    <p:sldId id="261" r:id="rId7"/>
+    <p:sldId id="262" r:id="rId8"/>
+    <p:sldId id="263" r:id="rId9"/>
   </p:sldIdLst>
   <p:sldSz cx="12192000" cy="6858000"/>
   <p:notesSz cx="6858000" cy="9144000"/>
@@ -105,6 +111,11 @@
       </a:defRPr>
     </a:lvl9pPr>
   </p:defaultTextStyle>
+  <p:extLst>
+    <p:ext uri="{EFAFB233-063F-42B5-8137-9DF3F51BA10A}">
+      <p15:sldGuideLst xmlns:p15="http://schemas.microsoft.com/office/powerpoint/2012/main"/>
+    </p:ext>
+  </p:extLst>
 </p:presentation>
 </file>
 
@@ -338,7 +349,7 @@
             <a:fld id="{B61BEF0D-F0BB-DE4B-95CE-6DB70DBA9567}" type="datetimeFigureOut">
               <a:rPr lang="en-US" dirty="0"/>
               <a:pPr/>
-              <a:t>3/17/2021</a:t>
+              <a:t>3/24/2021</a:t>
             </a:fld>
             <a:endParaRPr lang="en-US" dirty="0"/>
           </a:p>
@@ -669,7 +680,7 @@
             <a:fld id="{B61BEF0D-F0BB-DE4B-95CE-6DB70DBA9567}" type="datetimeFigureOut">
               <a:rPr lang="en-US" dirty="0"/>
               <a:pPr/>
-              <a:t>3/17/2021</a:t>
+              <a:t>3/24/2021</a:t>
             </a:fld>
             <a:endParaRPr lang="en-US" dirty="0"/>
           </a:p>
@@ -944,7 +955,7 @@
             <a:fld id="{B61BEF0D-F0BB-DE4B-95CE-6DB70DBA9567}" type="datetimeFigureOut">
               <a:rPr lang="en-US" dirty="0"/>
               <a:pPr/>
-              <a:t>3/17/2021</a:t>
+              <a:t>3/24/2021</a:t>
             </a:fld>
             <a:endParaRPr lang="en-US" dirty="0"/>
           </a:p>
@@ -1509,7 +1520,7 @@
             <a:fld id="{B61BEF0D-F0BB-DE4B-95CE-6DB70DBA9567}" type="datetimeFigureOut">
               <a:rPr lang="en-US" dirty="0"/>
               <a:pPr/>
-              <a:t>3/17/2021</a:t>
+              <a:t>3/24/2021</a:t>
             </a:fld>
             <a:endParaRPr lang="en-US" dirty="0"/>
           </a:p>
@@ -1784,7 +1795,7 @@
             <a:fld id="{B61BEF0D-F0BB-DE4B-95CE-6DB70DBA9567}" type="datetimeFigureOut">
               <a:rPr lang="en-US" dirty="0"/>
               <a:pPr/>
-              <a:t>3/17/2021</a:t>
+              <a:t>3/24/2021</a:t>
             </a:fld>
             <a:endParaRPr lang="en-US" dirty="0"/>
           </a:p>
@@ -2343,7 +2354,7 @@
             <a:fld id="{B61BEF0D-F0BB-DE4B-95CE-6DB70DBA9567}" type="datetimeFigureOut">
               <a:rPr lang="en-US" dirty="0"/>
               <a:pPr/>
-              <a:t>3/17/2021</a:t>
+              <a:t>3/24/2021</a:t>
             </a:fld>
             <a:endParaRPr lang="en-US" dirty="0"/>
           </a:p>
@@ -2667,7 +2678,7 @@
             <a:fld id="{B61BEF0D-F0BB-DE4B-95CE-6DB70DBA9567}" type="datetimeFigureOut">
               <a:rPr lang="en-US" dirty="0"/>
               <a:pPr/>
-              <a:t>3/17/2021</a:t>
+              <a:t>3/24/2021</a:t>
             </a:fld>
             <a:endParaRPr lang="en-US" dirty="0"/>
           </a:p>
@@ -2841,7 +2852,7 @@
             <a:fld id="{B61BEF0D-F0BB-DE4B-95CE-6DB70DBA9567}" type="datetimeFigureOut">
               <a:rPr lang="en-US" dirty="0"/>
               <a:pPr/>
-              <a:t>3/17/2021</a:t>
+              <a:t>3/24/2021</a:t>
             </a:fld>
             <a:endParaRPr lang="en-US" dirty="0"/>
           </a:p>
@@ -3076,7 +3087,7 @@
             <a:fld id="{B61BEF0D-F0BB-DE4B-95CE-6DB70DBA9567}" type="datetimeFigureOut">
               <a:rPr lang="en-US" dirty="0"/>
               <a:pPr/>
-              <a:t>3/17/2021</a:t>
+              <a:t>3/24/2021</a:t>
             </a:fld>
             <a:endParaRPr lang="en-US" dirty="0"/>
           </a:p>
@@ -3273,7 +3284,7 @@
             <a:fld id="{B61BEF0D-F0BB-DE4B-95CE-6DB70DBA9567}" type="datetimeFigureOut">
               <a:rPr lang="en-US" dirty="0"/>
               <a:pPr/>
-              <a:t>3/17/2021</a:t>
+              <a:t>3/24/2021</a:t>
             </a:fld>
             <a:endParaRPr lang="en-US" dirty="0"/>
           </a:p>
@@ -3546,7 +3557,7 @@
             <a:fld id="{B61BEF0D-F0BB-DE4B-95CE-6DB70DBA9567}" type="datetimeFigureOut">
               <a:rPr lang="en-US" dirty="0"/>
               <a:pPr/>
-              <a:t>3/17/2021</a:t>
+              <a:t>3/24/2021</a:t>
             </a:fld>
             <a:endParaRPr lang="en-US" dirty="0"/>
           </a:p>
@@ -3809,7 +3820,7 @@
             <a:fld id="{B61BEF0D-F0BB-DE4B-95CE-6DB70DBA9567}" type="datetimeFigureOut">
               <a:rPr lang="en-US" dirty="0"/>
               <a:pPr/>
-              <a:t>3/17/2021</a:t>
+              <a:t>3/24/2021</a:t>
             </a:fld>
             <a:endParaRPr lang="en-US" dirty="0"/>
           </a:p>
@@ -4180,7 +4191,7 @@
             <a:fld id="{B61BEF0D-F0BB-DE4B-95CE-6DB70DBA9567}" type="datetimeFigureOut">
               <a:rPr lang="en-US" dirty="0"/>
               <a:pPr/>
-              <a:t>3/17/2021</a:t>
+              <a:t>3/24/2021</a:t>
             </a:fld>
             <a:endParaRPr lang="en-US" dirty="0"/>
           </a:p>
@@ -4325,7 +4336,7 @@
             <a:fld id="{B61BEF0D-F0BB-DE4B-95CE-6DB70DBA9567}" type="datetimeFigureOut">
               <a:rPr lang="en-US" dirty="0"/>
               <a:pPr/>
-              <a:t>3/17/2021</a:t>
+              <a:t>3/24/2021</a:t>
             </a:fld>
             <a:endParaRPr lang="en-US" dirty="0"/>
           </a:p>
@@ -4447,7 +4458,7 @@
             <a:fld id="{B61BEF0D-F0BB-DE4B-95CE-6DB70DBA9567}" type="datetimeFigureOut">
               <a:rPr lang="en-US" dirty="0"/>
               <a:pPr/>
-              <a:t>3/17/2021</a:t>
+              <a:t>3/24/2021</a:t>
             </a:fld>
             <a:endParaRPr lang="en-US" dirty="0"/>
           </a:p>
@@ -4729,7 +4740,7 @@
             <a:fld id="{B61BEF0D-F0BB-DE4B-95CE-6DB70DBA9567}" type="datetimeFigureOut">
               <a:rPr lang="en-US" dirty="0"/>
               <a:pPr/>
-              <a:t>3/17/2021</a:t>
+              <a:t>3/24/2021</a:t>
             </a:fld>
             <a:endParaRPr lang="en-US" dirty="0"/>
           </a:p>
@@ -5050,7 +5061,7 @@
             <a:fld id="{B61BEF0D-F0BB-DE4B-95CE-6DB70DBA9567}" type="datetimeFigureOut">
               <a:rPr lang="en-US" dirty="0"/>
               <a:pPr/>
-              <a:t>3/17/2021</a:t>
+              <a:t>3/24/2021</a:t>
             </a:fld>
             <a:endParaRPr lang="en-US" dirty="0"/>
           </a:p>
@@ -5261,7 +5272,7 @@
             <a:fld id="{B61BEF0D-F0BB-DE4B-95CE-6DB70DBA9567}" type="datetimeFigureOut">
               <a:rPr lang="en-US" dirty="0"/>
               <a:pPr/>
-              <a:t>3/17/2021</a:t>
+              <a:t>3/24/2021</a:t>
             </a:fld>
             <a:endParaRPr lang="en-US" dirty="0"/>
           </a:p>
@@ -5901,7 +5912,11 @@
           <a:bodyPr/>
           <a:lstStyle/>
           <a:p>
-            <a:endParaRPr lang="zh-CN" altLang="en-US"/>
+            <a:r>
+              <a:rPr lang="en-US" altLang="zh-CN" dirty="0"/>
+              <a:t>What is Coroutine?</a:t>
+            </a:r>
+            <a:endParaRPr lang="zh-CN" altLang="en-US" dirty="0"/>
           </a:p>
         </p:txBody>
       </p:sp>
@@ -5923,10 +5938,40 @@
         </p:nvSpPr>
         <p:spPr/>
         <p:txBody>
-          <a:bodyPr/>
-          <a:lstStyle/>
-          <a:p>
-            <a:endParaRPr lang="zh-CN" altLang="en-US"/>
+          <a:bodyPr>
+            <a:normAutofit/>
+          </a:bodyPr>
+          <a:lstStyle/>
+          <a:p>
+            <a:r>
+              <a:rPr lang="en-US" altLang="zh-CN" sz="2800" dirty="0"/>
+              <a:t>Coroutines are light threads, which requires less memory?</a:t>
+            </a:r>
+          </a:p>
+          <a:p>
+            <a:r>
+              <a:rPr lang="en-US" altLang="zh-CN" sz="2800" dirty="0"/>
+              <a:t>Coroutines are more efficient threads?</a:t>
+            </a:r>
+          </a:p>
+          <a:p>
+            <a:r>
+              <a:rPr lang="en-US" altLang="zh-CN" sz="2800" dirty="0"/>
+              <a:t>Coroutines are automatic threads?</a:t>
+            </a:r>
+          </a:p>
+          <a:p>
+            <a:r>
+              <a:rPr lang="en-US" altLang="zh-CN" sz="2800" dirty="0"/>
+              <a:t>……</a:t>
+            </a:r>
+          </a:p>
+          <a:p>
+            <a:r>
+              <a:rPr lang="en-US" altLang="zh-CN" sz="2800" dirty="0"/>
+              <a:t>Obviously, they are not at all.</a:t>
+            </a:r>
+            <a:endParaRPr lang="zh-CN" altLang="en-US" sz="2800" dirty="0"/>
           </a:p>
         </p:txBody>
       </p:sp>
@@ -5934,6 +5979,644 @@
     <p:extLst>
       <p:ext uri="{BB962C8B-B14F-4D97-AF65-F5344CB8AC3E}">
         <p14:creationId xmlns:p14="http://schemas.microsoft.com/office/powerpoint/2010/main" val="724447247"/>
+      </p:ext>
+    </p:extLst>
+  </p:cSld>
+  <p:clrMapOvr>
+    <a:masterClrMapping/>
+  </p:clrMapOvr>
+</p:sld>
+</file>
+
+<file path=ppt/slides/slide3.xml><?xml version="1.0" encoding="utf-8"?>
+<p:sld xmlns:a="http://schemas.openxmlformats.org/drawingml/2006/main" xmlns:r="http://schemas.openxmlformats.org/officeDocument/2006/relationships" xmlns:p="http://schemas.openxmlformats.org/presentationml/2006/main">
+  <p:cSld>
+    <p:spTree>
+      <p:nvGrpSpPr>
+        <p:cNvPr id="1" name=""/>
+        <p:cNvGrpSpPr/>
+        <p:nvPr/>
+      </p:nvGrpSpPr>
+      <p:grpSpPr>
+        <a:xfrm>
+          <a:off x="0" y="0"/>
+          <a:ext cx="0" cy="0"/>
+          <a:chOff x="0" y="0"/>
+          <a:chExt cx="0" cy="0"/>
+        </a:xfrm>
+      </p:grpSpPr>
+      <p:sp>
+        <p:nvSpPr>
+          <p:cNvPr id="2" name="标题 1">
+            <a:extLst>
+              <a:ext uri="{FF2B5EF4-FFF2-40B4-BE49-F238E27FC236}">
+                <a16:creationId xmlns:a16="http://schemas.microsoft.com/office/drawing/2014/main" id="{4DE57E78-40E7-4EA3-9BA9-3FD9DF0D8A52}"/>
+              </a:ext>
+            </a:extLst>
+          </p:cNvPr>
+          <p:cNvSpPr>
+            <a:spLocks noGrp="1"/>
+          </p:cNvSpPr>
+          <p:nvPr>
+            <p:ph type="title"/>
+          </p:nvPr>
+        </p:nvSpPr>
+        <p:spPr/>
+        <p:txBody>
+          <a:bodyPr/>
+          <a:lstStyle/>
+          <a:p>
+            <a:r>
+              <a:rPr lang="en-US" altLang="zh-CN" dirty="0"/>
+              <a:t>Coroutines</a:t>
+            </a:r>
+            <a:endParaRPr lang="zh-CN" altLang="en-US" dirty="0"/>
+          </a:p>
+        </p:txBody>
+      </p:sp>
+      <p:sp>
+        <p:nvSpPr>
+          <p:cNvPr id="3" name="内容占位符 2">
+            <a:extLst>
+              <a:ext uri="{FF2B5EF4-FFF2-40B4-BE49-F238E27FC236}">
+                <a16:creationId xmlns:a16="http://schemas.microsoft.com/office/drawing/2014/main" id="{0385A8C9-DEA9-46AF-8B6F-48AB712B7654}"/>
+              </a:ext>
+            </a:extLst>
+          </p:cNvPr>
+          <p:cNvSpPr>
+            <a:spLocks noGrp="1"/>
+          </p:cNvSpPr>
+          <p:nvPr>
+            <p:ph idx="1"/>
+          </p:nvPr>
+        </p:nvSpPr>
+        <p:spPr/>
+        <p:txBody>
+          <a:bodyPr>
+            <a:normAutofit/>
+          </a:bodyPr>
+          <a:lstStyle/>
+          <a:p>
+            <a:r>
+              <a:rPr lang="en-US" altLang="zh-CN" sz="2400" dirty="0"/>
+              <a:t>Actually, there is no precise definition on coroutines. They act as subroutines, just like, multi-thread or multi-processing. </a:t>
+            </a:r>
+          </a:p>
+          <a:p>
+            <a:r>
+              <a:rPr lang="en-US" altLang="zh-CN" sz="2400" dirty="0"/>
+              <a:t>In my opinion, coroutines are </a:t>
+            </a:r>
+            <a:r>
+              <a:rPr lang="en-US" altLang="zh-CN" sz="2400" dirty="0" err="1"/>
+              <a:t>suspendable</a:t>
+            </a:r>
+            <a:r>
+              <a:rPr lang="en-US" altLang="zh-CN" sz="2400" dirty="0"/>
+              <a:t>, resumable subroutines.</a:t>
+            </a:r>
+          </a:p>
+          <a:p>
+            <a:r>
+              <a:rPr lang="en-US" altLang="zh-CN" sz="2400" dirty="0"/>
+              <a:t>According to those above, think about what’s the differences between multi-thread strategy and coroutines?</a:t>
+            </a:r>
+            <a:endParaRPr lang="zh-CN" altLang="en-US" sz="2400" dirty="0"/>
+          </a:p>
+        </p:txBody>
+      </p:sp>
+    </p:spTree>
+    <p:extLst>
+      <p:ext uri="{BB962C8B-B14F-4D97-AF65-F5344CB8AC3E}">
+        <p14:creationId xmlns:p14="http://schemas.microsoft.com/office/powerpoint/2010/main" val="1329138732"/>
+      </p:ext>
+    </p:extLst>
+  </p:cSld>
+  <p:clrMapOvr>
+    <a:masterClrMapping/>
+  </p:clrMapOvr>
+</p:sld>
+</file>
+
+<file path=ppt/slides/slide4.xml><?xml version="1.0" encoding="utf-8"?>
+<p:sld xmlns:a="http://schemas.openxmlformats.org/drawingml/2006/main" xmlns:r="http://schemas.openxmlformats.org/officeDocument/2006/relationships" xmlns:p="http://schemas.openxmlformats.org/presentationml/2006/main">
+  <p:cSld>
+    <p:spTree>
+      <p:nvGrpSpPr>
+        <p:cNvPr id="1" name=""/>
+        <p:cNvGrpSpPr/>
+        <p:nvPr/>
+      </p:nvGrpSpPr>
+      <p:grpSpPr>
+        <a:xfrm>
+          <a:off x="0" y="0"/>
+          <a:ext cx="0" cy="0"/>
+          <a:chOff x="0" y="0"/>
+          <a:chExt cx="0" cy="0"/>
+        </a:xfrm>
+      </p:grpSpPr>
+      <p:sp>
+        <p:nvSpPr>
+          <p:cNvPr id="2" name="标题 1">
+            <a:extLst>
+              <a:ext uri="{FF2B5EF4-FFF2-40B4-BE49-F238E27FC236}">
+                <a16:creationId xmlns:a16="http://schemas.microsoft.com/office/drawing/2014/main" id="{57B1D4FC-F7B1-40C9-97A7-9FDA89D8ABA4}"/>
+              </a:ext>
+            </a:extLst>
+          </p:cNvPr>
+          <p:cNvSpPr>
+            <a:spLocks noGrp="1"/>
+          </p:cNvSpPr>
+          <p:nvPr>
+            <p:ph type="title"/>
+          </p:nvPr>
+        </p:nvSpPr>
+        <p:spPr/>
+        <p:txBody>
+          <a:bodyPr/>
+          <a:lstStyle/>
+          <a:p>
+            <a:r>
+              <a:rPr lang="en-US" altLang="zh-CN" dirty="0"/>
+              <a:t>Before we start</a:t>
+            </a:r>
+            <a:endParaRPr lang="zh-CN" altLang="en-US" dirty="0"/>
+          </a:p>
+        </p:txBody>
+      </p:sp>
+      <p:sp>
+        <p:nvSpPr>
+          <p:cNvPr id="3" name="内容占位符 2">
+            <a:extLst>
+              <a:ext uri="{FF2B5EF4-FFF2-40B4-BE49-F238E27FC236}">
+                <a16:creationId xmlns:a16="http://schemas.microsoft.com/office/drawing/2014/main" id="{42BEDF90-B057-4268-A4EE-2929D19CAB2B}"/>
+              </a:ext>
+            </a:extLst>
+          </p:cNvPr>
+          <p:cNvSpPr>
+            <a:spLocks noGrp="1"/>
+          </p:cNvSpPr>
+          <p:nvPr>
+            <p:ph idx="1"/>
+          </p:nvPr>
+        </p:nvSpPr>
+        <p:spPr/>
+        <p:txBody>
+          <a:bodyPr>
+            <a:normAutofit/>
+          </a:bodyPr>
+          <a:lstStyle/>
+          <a:p>
+            <a:r>
+              <a:rPr lang="en-US" altLang="zh-CN" sz="2800" dirty="0"/>
+              <a:t>Do you know what is multi-tasking? Why we need it?</a:t>
+            </a:r>
+          </a:p>
+          <a:p>
+            <a:r>
+              <a:rPr lang="en-US" altLang="zh-CN" sz="2800" dirty="0"/>
+              <a:t>How to implement multi-tasking? Multi-processes, multi-thread?</a:t>
+            </a:r>
+          </a:p>
+          <a:p>
+            <a:r>
+              <a:rPr lang="en-US" altLang="zh-CN" sz="2800" dirty="0"/>
+              <a:t>Any examples to tell?</a:t>
+            </a:r>
+            <a:endParaRPr lang="zh-CN" altLang="en-US" sz="2800" dirty="0"/>
+          </a:p>
+        </p:txBody>
+      </p:sp>
+    </p:spTree>
+    <p:extLst>
+      <p:ext uri="{BB962C8B-B14F-4D97-AF65-F5344CB8AC3E}">
+        <p14:creationId xmlns:p14="http://schemas.microsoft.com/office/powerpoint/2010/main" val="4018432701"/>
+      </p:ext>
+    </p:extLst>
+  </p:cSld>
+  <p:clrMapOvr>
+    <a:masterClrMapping/>
+  </p:clrMapOvr>
+</p:sld>
+</file>
+
+<file path=ppt/slides/slide5.xml><?xml version="1.0" encoding="utf-8"?>
+<p:sld xmlns:a="http://schemas.openxmlformats.org/drawingml/2006/main" xmlns:r="http://schemas.openxmlformats.org/officeDocument/2006/relationships" xmlns:p="http://schemas.openxmlformats.org/presentationml/2006/main">
+  <p:cSld>
+    <p:spTree>
+      <p:nvGrpSpPr>
+        <p:cNvPr id="1" name=""/>
+        <p:cNvGrpSpPr/>
+        <p:nvPr/>
+      </p:nvGrpSpPr>
+      <p:grpSpPr>
+        <a:xfrm>
+          <a:off x="0" y="0"/>
+          <a:ext cx="0" cy="0"/>
+          <a:chOff x="0" y="0"/>
+          <a:chExt cx="0" cy="0"/>
+        </a:xfrm>
+      </p:grpSpPr>
+      <p:sp>
+        <p:nvSpPr>
+          <p:cNvPr id="2" name="标题 1">
+            <a:extLst>
+              <a:ext uri="{FF2B5EF4-FFF2-40B4-BE49-F238E27FC236}">
+                <a16:creationId xmlns:a16="http://schemas.microsoft.com/office/drawing/2014/main" id="{315D29BD-D410-466F-AFA5-2A7E32D31D41}"/>
+              </a:ext>
+            </a:extLst>
+          </p:cNvPr>
+          <p:cNvSpPr>
+            <a:spLocks noGrp="1"/>
+          </p:cNvSpPr>
+          <p:nvPr>
+            <p:ph type="title"/>
+          </p:nvPr>
+        </p:nvSpPr>
+        <p:spPr/>
+        <p:txBody>
+          <a:bodyPr/>
+          <a:lstStyle/>
+          <a:p>
+            <a:r>
+              <a:rPr lang="en-US" altLang="zh-CN" dirty="0"/>
+              <a:t>Mechanism of coroutines</a:t>
+            </a:r>
+            <a:endParaRPr lang="zh-CN" altLang="en-US" dirty="0"/>
+          </a:p>
+        </p:txBody>
+      </p:sp>
+      <p:sp>
+        <p:nvSpPr>
+          <p:cNvPr id="3" name="内容占位符 2">
+            <a:extLst>
+              <a:ext uri="{FF2B5EF4-FFF2-40B4-BE49-F238E27FC236}">
+                <a16:creationId xmlns:a16="http://schemas.microsoft.com/office/drawing/2014/main" id="{95B12257-7DBD-4781-A2FE-7916B65A3039}"/>
+              </a:ext>
+            </a:extLst>
+          </p:cNvPr>
+          <p:cNvSpPr>
+            <a:spLocks noGrp="1"/>
+          </p:cNvSpPr>
+          <p:nvPr>
+            <p:ph idx="1"/>
+          </p:nvPr>
+        </p:nvSpPr>
+        <p:spPr/>
+        <p:txBody>
+          <a:bodyPr>
+            <a:normAutofit/>
+          </a:bodyPr>
+          <a:lstStyle/>
+          <a:p>
+            <a:r>
+              <a:rPr lang="en-US" altLang="zh-CN" sz="2400" dirty="0"/>
+              <a:t>Sure, it is thread-pool.</a:t>
+            </a:r>
+          </a:p>
+          <a:p>
+            <a:r>
+              <a:rPr lang="en-US" altLang="zh-CN" sz="2400" dirty="0"/>
+              <a:t>But what is the difference between using a thread-pool task and launch a coroutine job?</a:t>
+            </a:r>
+          </a:p>
+          <a:p>
+            <a:r>
+              <a:rPr lang="en-US" altLang="zh-CN" sz="2400" dirty="0"/>
+              <a:t>Why we need suspend? It has higher efficiency, but why?</a:t>
+            </a:r>
+          </a:p>
+          <a:p>
+            <a:r>
+              <a:rPr lang="en-US" altLang="zh-CN" sz="2400" dirty="0"/>
+              <a:t>In which case we need suspension?</a:t>
+            </a:r>
+            <a:endParaRPr lang="zh-CN" altLang="en-US" sz="2400" dirty="0"/>
+          </a:p>
+        </p:txBody>
+      </p:sp>
+    </p:spTree>
+    <p:extLst>
+      <p:ext uri="{BB962C8B-B14F-4D97-AF65-F5344CB8AC3E}">
+        <p14:creationId xmlns:p14="http://schemas.microsoft.com/office/powerpoint/2010/main" val="3732243643"/>
+      </p:ext>
+    </p:extLst>
+  </p:cSld>
+  <p:clrMapOvr>
+    <a:masterClrMapping/>
+  </p:clrMapOvr>
+</p:sld>
+</file>
+
+<file path=ppt/slides/slide6.xml><?xml version="1.0" encoding="utf-8"?>
+<p:sld xmlns:a="http://schemas.openxmlformats.org/drawingml/2006/main" xmlns:r="http://schemas.openxmlformats.org/officeDocument/2006/relationships" xmlns:p="http://schemas.openxmlformats.org/presentationml/2006/main">
+  <p:cSld>
+    <p:spTree>
+      <p:nvGrpSpPr>
+        <p:cNvPr id="1" name=""/>
+        <p:cNvGrpSpPr/>
+        <p:nvPr/>
+      </p:nvGrpSpPr>
+      <p:grpSpPr>
+        <a:xfrm>
+          <a:off x="0" y="0"/>
+          <a:ext cx="0" cy="0"/>
+          <a:chOff x="0" y="0"/>
+          <a:chExt cx="0" cy="0"/>
+        </a:xfrm>
+      </p:grpSpPr>
+      <p:sp>
+        <p:nvSpPr>
+          <p:cNvPr id="2" name="标题 1">
+            <a:extLst>
+              <a:ext uri="{FF2B5EF4-FFF2-40B4-BE49-F238E27FC236}">
+                <a16:creationId xmlns:a16="http://schemas.microsoft.com/office/drawing/2014/main" id="{59614093-CF5A-4873-84ED-BC1ED50AE16B}"/>
+              </a:ext>
+            </a:extLst>
+          </p:cNvPr>
+          <p:cNvSpPr>
+            <a:spLocks noGrp="1"/>
+          </p:cNvSpPr>
+          <p:nvPr>
+            <p:ph type="title"/>
+          </p:nvPr>
+        </p:nvSpPr>
+        <p:spPr/>
+        <p:txBody>
+          <a:bodyPr/>
+          <a:lstStyle/>
+          <a:p>
+            <a:r>
+              <a:rPr lang="en-US" altLang="zh-CN" dirty="0"/>
+              <a:t>Thread pool VS Coroutine</a:t>
+            </a:r>
+            <a:endParaRPr lang="zh-CN" altLang="en-US" dirty="0"/>
+          </a:p>
+        </p:txBody>
+      </p:sp>
+      <p:sp>
+        <p:nvSpPr>
+          <p:cNvPr id="3" name="内容占位符 2">
+            <a:extLst>
+              <a:ext uri="{FF2B5EF4-FFF2-40B4-BE49-F238E27FC236}">
+                <a16:creationId xmlns:a16="http://schemas.microsoft.com/office/drawing/2014/main" id="{0F22B0C2-0FB3-4521-B876-4F6E1AA4F4DC}"/>
+              </a:ext>
+            </a:extLst>
+          </p:cNvPr>
+          <p:cNvSpPr>
+            <a:spLocks noGrp="1"/>
+          </p:cNvSpPr>
+          <p:nvPr>
+            <p:ph idx="1"/>
+          </p:nvPr>
+        </p:nvSpPr>
+        <p:spPr/>
+        <p:txBody>
+          <a:bodyPr/>
+          <a:lstStyle/>
+          <a:p>
+            <a:endParaRPr lang="en-US" altLang="zh-CN" dirty="0"/>
+          </a:p>
+          <a:p>
+            <a:r>
+              <a:rPr lang="en-US" altLang="zh-CN" sz="3200" dirty="0"/>
+              <a:t>Keyword support, that’s what makes Kotlin Coroutine standout.</a:t>
+            </a:r>
+          </a:p>
+          <a:p>
+            <a:r>
+              <a:rPr lang="en-US" altLang="zh-CN" sz="3200" dirty="0"/>
+              <a:t>By hand or automatic?</a:t>
+            </a:r>
+          </a:p>
+          <a:p>
+            <a:r>
+              <a:rPr lang="en-US" altLang="zh-CN" sz="3200" dirty="0"/>
+              <a:t>Categorize tasks, dispatch differently.</a:t>
+            </a:r>
+            <a:endParaRPr lang="zh-CN" altLang="en-US" sz="3200" dirty="0"/>
+          </a:p>
+        </p:txBody>
+      </p:sp>
+    </p:spTree>
+    <p:extLst>
+      <p:ext uri="{BB962C8B-B14F-4D97-AF65-F5344CB8AC3E}">
+        <p14:creationId xmlns:p14="http://schemas.microsoft.com/office/powerpoint/2010/main" val="3153897638"/>
+      </p:ext>
+    </p:extLst>
+  </p:cSld>
+  <p:clrMapOvr>
+    <a:masterClrMapping/>
+  </p:clrMapOvr>
+</p:sld>
+</file>
+
+<file path=ppt/slides/slide7.xml><?xml version="1.0" encoding="utf-8"?>
+<p:sld xmlns:a="http://schemas.openxmlformats.org/drawingml/2006/main" xmlns:r="http://schemas.openxmlformats.org/officeDocument/2006/relationships" xmlns:p="http://schemas.openxmlformats.org/presentationml/2006/main">
+  <p:cSld>
+    <p:spTree>
+      <p:nvGrpSpPr>
+        <p:cNvPr id="1" name=""/>
+        <p:cNvGrpSpPr/>
+        <p:nvPr/>
+      </p:nvGrpSpPr>
+      <p:grpSpPr>
+        <a:xfrm>
+          <a:off x="0" y="0"/>
+          <a:ext cx="0" cy="0"/>
+          <a:chOff x="0" y="0"/>
+          <a:chExt cx="0" cy="0"/>
+        </a:xfrm>
+      </p:grpSpPr>
+      <p:sp>
+        <p:nvSpPr>
+          <p:cNvPr id="2" name="标题 1">
+            <a:extLst>
+              <a:ext uri="{FF2B5EF4-FFF2-40B4-BE49-F238E27FC236}">
+                <a16:creationId xmlns:a16="http://schemas.microsoft.com/office/drawing/2014/main" id="{E2FA94D7-D550-4B82-8A0F-519E6C3FE708}"/>
+              </a:ext>
+            </a:extLst>
+          </p:cNvPr>
+          <p:cNvSpPr>
+            <a:spLocks noGrp="1"/>
+          </p:cNvSpPr>
+          <p:nvPr>
+            <p:ph type="title"/>
+          </p:nvPr>
+        </p:nvSpPr>
+        <p:spPr/>
+        <p:txBody>
+          <a:bodyPr/>
+          <a:lstStyle/>
+          <a:p>
+            <a:r>
+              <a:rPr lang="en-US" altLang="zh-CN" dirty="0"/>
+              <a:t>Some critical quizzes</a:t>
+            </a:r>
+            <a:endParaRPr lang="zh-CN" altLang="en-US" dirty="0"/>
+          </a:p>
+        </p:txBody>
+      </p:sp>
+      <p:sp>
+        <p:nvSpPr>
+          <p:cNvPr id="3" name="内容占位符 2">
+            <a:extLst>
+              <a:ext uri="{FF2B5EF4-FFF2-40B4-BE49-F238E27FC236}">
+                <a16:creationId xmlns:a16="http://schemas.microsoft.com/office/drawing/2014/main" id="{15CE7F2E-1910-46BE-974A-6C08A6B69CBF}"/>
+              </a:ext>
+            </a:extLst>
+          </p:cNvPr>
+          <p:cNvSpPr>
+            <a:spLocks noGrp="1"/>
+          </p:cNvSpPr>
+          <p:nvPr>
+            <p:ph idx="1"/>
+          </p:nvPr>
+        </p:nvSpPr>
+        <p:spPr/>
+        <p:txBody>
+          <a:bodyPr/>
+          <a:lstStyle/>
+          <a:p>
+            <a:r>
+              <a:rPr lang="en-US" altLang="zh-CN" sz="2800" dirty="0"/>
+              <a:t>High performance? But actually, it increase access time? How to explain it?</a:t>
+            </a:r>
+          </a:p>
+          <a:p>
+            <a:r>
+              <a:rPr lang="en-US" altLang="zh-CN" sz="2800" dirty="0"/>
+              <a:t>What cases can the coroutine be applied to? IO dense? Computing dense?</a:t>
+            </a:r>
+          </a:p>
+          <a:p>
+            <a:r>
+              <a:rPr lang="en-US" altLang="zh-CN" sz="2800" dirty="0"/>
+              <a:t>Is dispatcher equivalent to a thread?</a:t>
+            </a:r>
+          </a:p>
+          <a:p>
+            <a:endParaRPr lang="zh-CN" altLang="en-US" dirty="0"/>
+          </a:p>
+        </p:txBody>
+      </p:sp>
+    </p:spTree>
+    <p:extLst>
+      <p:ext uri="{BB962C8B-B14F-4D97-AF65-F5344CB8AC3E}">
+        <p14:creationId xmlns:p14="http://schemas.microsoft.com/office/powerpoint/2010/main" val="2011716868"/>
+      </p:ext>
+    </p:extLst>
+  </p:cSld>
+  <p:clrMapOvr>
+    <a:masterClrMapping/>
+  </p:clrMapOvr>
+</p:sld>
+</file>
+
+<file path=ppt/slides/slide8.xml><?xml version="1.0" encoding="utf-8"?>
+<p:sld xmlns:a="http://schemas.openxmlformats.org/drawingml/2006/main" xmlns:r="http://schemas.openxmlformats.org/officeDocument/2006/relationships" xmlns:p="http://schemas.openxmlformats.org/presentationml/2006/main">
+  <p:cSld>
+    <p:spTree>
+      <p:nvGrpSpPr>
+        <p:cNvPr id="1" name=""/>
+        <p:cNvGrpSpPr/>
+        <p:nvPr/>
+      </p:nvGrpSpPr>
+      <p:grpSpPr>
+        <a:xfrm>
+          <a:off x="0" y="0"/>
+          <a:ext cx="0" cy="0"/>
+          <a:chOff x="0" y="0"/>
+          <a:chExt cx="0" cy="0"/>
+        </a:xfrm>
+      </p:grpSpPr>
+      <p:sp>
+        <p:nvSpPr>
+          <p:cNvPr id="2" name="标题 1">
+            <a:extLst>
+              <a:ext uri="{FF2B5EF4-FFF2-40B4-BE49-F238E27FC236}">
+                <a16:creationId xmlns:a16="http://schemas.microsoft.com/office/drawing/2014/main" id="{C891BB7C-3EF2-4999-A5C6-15E1BCF50C53}"/>
+              </a:ext>
+            </a:extLst>
+          </p:cNvPr>
+          <p:cNvSpPr>
+            <a:spLocks noGrp="1"/>
+          </p:cNvSpPr>
+          <p:nvPr>
+            <p:ph type="title"/>
+          </p:nvPr>
+        </p:nvSpPr>
+        <p:spPr/>
+        <p:txBody>
+          <a:bodyPr/>
+          <a:lstStyle/>
+          <a:p>
+            <a:r>
+              <a:rPr lang="en-US" altLang="zh-CN" dirty="0"/>
+              <a:t>What can coroutine do</a:t>
+            </a:r>
+            <a:endParaRPr lang="zh-CN" altLang="en-US" dirty="0"/>
+          </a:p>
+        </p:txBody>
+      </p:sp>
+      <p:sp>
+        <p:nvSpPr>
+          <p:cNvPr id="3" name="内容占位符 2">
+            <a:extLst>
+              <a:ext uri="{FF2B5EF4-FFF2-40B4-BE49-F238E27FC236}">
+                <a16:creationId xmlns:a16="http://schemas.microsoft.com/office/drawing/2014/main" id="{7097E54F-022C-4FA9-B450-7EB7B5D35E6C}"/>
+              </a:ext>
+            </a:extLst>
+          </p:cNvPr>
+          <p:cNvSpPr>
+            <a:spLocks noGrp="1"/>
+          </p:cNvSpPr>
+          <p:nvPr>
+            <p:ph idx="1"/>
+          </p:nvPr>
+        </p:nvSpPr>
+        <p:spPr/>
+        <p:txBody>
+          <a:bodyPr>
+            <a:normAutofit/>
+          </a:bodyPr>
+          <a:lstStyle/>
+          <a:p>
+            <a:r>
+              <a:rPr lang="en-US" altLang="zh-CN" sz="2400" dirty="0"/>
+              <a:t>Substitute threading tasks.</a:t>
+            </a:r>
+          </a:p>
+          <a:p>
+            <a:r>
+              <a:rPr lang="en-US" altLang="zh-CN" sz="2400" dirty="0"/>
+              <a:t>Network access.</a:t>
+            </a:r>
+          </a:p>
+          <a:p>
+            <a:r>
+              <a:rPr lang="en-US" altLang="zh-CN" sz="2400" dirty="0"/>
+              <a:t>Database query.</a:t>
+            </a:r>
+          </a:p>
+          <a:p>
+            <a:r>
+              <a:rPr lang="en-US" altLang="zh-CN" sz="2400" dirty="0"/>
+              <a:t>Web server / CGI</a:t>
+            </a:r>
+          </a:p>
+          <a:p>
+            <a:r>
+              <a:rPr lang="en-US" altLang="zh-CN" sz="2400" dirty="0"/>
+              <a:t>NIO</a:t>
+            </a:r>
+          </a:p>
+        </p:txBody>
+      </p:sp>
+    </p:spTree>
+    <p:extLst>
+      <p:ext uri="{BB962C8B-B14F-4D97-AF65-F5344CB8AC3E}">
+        <p14:creationId xmlns:p14="http://schemas.microsoft.com/office/powerpoint/2010/main" val="2183935575"/>
       </p:ext>
     </p:extLst>
   </p:cSld>
